--- a/session1/A2-ER_modeling-GalleryPainter.pptx
+++ b/session1/A2-ER_modeling-GalleryPainter.pptx
@@ -5,10 +5,10 @@
     <p:sldMasterId id="2147483654" r:id="rId1"/>
   </p:sldMasterIdLst>
   <p:notesMasterIdLst>
-    <p:notesMasterId r:id="rId26"/>
+    <p:notesMasterId r:id="rId27"/>
   </p:notesMasterIdLst>
   <p:handoutMasterIdLst>
-    <p:handoutMasterId r:id="rId27"/>
+    <p:handoutMasterId r:id="rId28"/>
   </p:handoutMasterIdLst>
   <p:sldIdLst>
     <p:sldId id="365" r:id="rId2"/>
@@ -35,6 +35,7 @@
     <p:sldId id="399" r:id="rId23"/>
     <p:sldId id="422" r:id="rId24"/>
     <p:sldId id="407" r:id="rId25"/>
+    <p:sldId id="417" r:id="rId26"/>
   </p:sldIdLst>
   <p:sldSz cx="9144000" cy="6858000" type="screen4x3"/>
   <p:notesSz cx="7010400" cy="9296400"/>
@@ -923,6 +924,73 @@
 </p:notes>
 </file>
 
+<file path=ppt/notesSlides/notesSlide6.xml><?xml version="1.0" encoding="utf-8"?>
+<p:notes xmlns:a="http://schemas.openxmlformats.org/drawingml/2006/main" xmlns:r="http://schemas.openxmlformats.org/officeDocument/2006/relationships" xmlns:p="http://schemas.openxmlformats.org/presentationml/2006/main">
+  <p:cSld>
+    <p:spTree>
+      <p:nvGrpSpPr>
+        <p:cNvPr id="1" name=""/>
+        <p:cNvGrpSpPr/>
+        <p:nvPr/>
+      </p:nvGrpSpPr>
+      <p:grpSpPr>
+        <a:xfrm>
+          <a:off x="0" y="0"/>
+          <a:ext cx="0" cy="0"/>
+          <a:chOff x="0" y="0"/>
+          <a:chExt cx="0" cy="0"/>
+        </a:xfrm>
+      </p:grpSpPr>
+      <p:sp>
+        <p:nvSpPr>
+          <p:cNvPr id="65539" name="Rectangle 2"/>
+          <p:cNvSpPr>
+            <a:spLocks noGrp="1" noRot="1" noChangeAspect="1" noChangeArrowheads="1" noTextEdit="1"/>
+          </p:cNvSpPr>
+          <p:nvPr>
+            <p:ph type="sldImg"/>
+          </p:nvPr>
+        </p:nvSpPr>
+        <p:spPr>
+          <a:ln/>
+        </p:spPr>
+      </p:sp>
+      <p:sp>
+        <p:nvSpPr>
+          <p:cNvPr id="65540" name="Rectangle 3"/>
+          <p:cNvSpPr>
+            <a:spLocks noGrp="1" noChangeArrowheads="1"/>
+          </p:cNvSpPr>
+          <p:nvPr>
+            <p:ph type="body" idx="1"/>
+          </p:nvPr>
+        </p:nvSpPr>
+        <p:spPr>
+          <a:noFill/>
+          <a:ln/>
+        </p:spPr>
+        <p:txBody>
+          <a:bodyPr/>
+          <a:lstStyle/>
+          <a:p>
+            <a:pPr eaLnBrk="1" hangingPunct="1"/>
+            <a:endParaRPr lang="el-GR"/>
+          </a:p>
+        </p:txBody>
+      </p:sp>
+    </p:spTree>
+    <p:extLst>
+      <p:ext uri="{BB962C8B-B14F-4D97-AF65-F5344CB8AC3E}">
+        <p14:creationId xmlns:p14="http://schemas.microsoft.com/office/powerpoint/2010/main" val="1132985331"/>
+      </p:ext>
+    </p:extLst>
+  </p:cSld>
+  <p:clrMapOvr>
+    <a:masterClrMapping/>
+  </p:clrMapOvr>
+</p:notes>
+</file>
+
 <file path=ppt/slideLayouts/slideLayout1.xml><?xml version="1.0" encoding="utf-8"?>
 <p:sldLayout xmlns:a="http://schemas.openxmlformats.org/drawingml/2006/main" xmlns:r="http://schemas.openxmlformats.org/officeDocument/2006/relationships" xmlns:p="http://schemas.openxmlformats.org/presentationml/2006/main" type="title" preserve="1">
   <p:cSld name="Title Slide">
@@ -1490,6 +1558,185 @@
     <a:masterClrMapping/>
   </p:clrMapOvr>
   <p:transition spd="med"/>
+</p:sldLayout>
+</file>
+
+<file path=ppt/slideLayouts/slideLayout13.xml><?xml version="1.0" encoding="utf-8"?>
+<p:sldLayout xmlns:a="http://schemas.openxmlformats.org/drawingml/2006/main" xmlns:r="http://schemas.openxmlformats.org/officeDocument/2006/relationships" xmlns:p="http://schemas.openxmlformats.org/presentationml/2006/main" type="txAndObj">
+  <p:cSld name="Title, Text, and Content">
+    <p:spTree>
+      <p:nvGrpSpPr>
+        <p:cNvPr id="1" name=""/>
+        <p:cNvGrpSpPr/>
+        <p:nvPr/>
+      </p:nvGrpSpPr>
+      <p:grpSpPr>
+        <a:xfrm>
+          <a:off x="0" y="0"/>
+          <a:ext cx="0" cy="0"/>
+          <a:chOff x="0" y="0"/>
+          <a:chExt cx="0" cy="0"/>
+        </a:xfrm>
+      </p:grpSpPr>
+      <p:sp>
+        <p:nvSpPr>
+          <p:cNvPr id="2" name="Title 1"/>
+          <p:cNvSpPr>
+            <a:spLocks noGrp="1"/>
+          </p:cNvSpPr>
+          <p:nvPr>
+            <p:ph type="title"/>
+          </p:nvPr>
+        </p:nvSpPr>
+        <p:spPr>
+          <a:xfrm>
+            <a:off x="0" y="0"/>
+            <a:ext cx="8610600" cy="1143000"/>
+          </a:xfrm>
+          <a:prstGeom prst="rect">
+            <a:avLst/>
+          </a:prstGeom>
+        </p:spPr>
+        <p:txBody>
+          <a:bodyPr/>
+          <a:lstStyle/>
+          <a:p>
+            <a:r>
+              <a:rPr lang="en-US"/>
+              <a:t>Click to edit Master title style</a:t>
+            </a:r>
+          </a:p>
+        </p:txBody>
+      </p:sp>
+      <p:sp>
+        <p:nvSpPr>
+          <p:cNvPr id="3" name="Text Placeholder 2"/>
+          <p:cNvSpPr>
+            <a:spLocks noGrp="1"/>
+          </p:cNvSpPr>
+          <p:nvPr>
+            <p:ph type="body" sz="half" idx="1"/>
+          </p:nvPr>
+        </p:nvSpPr>
+        <p:spPr>
+          <a:xfrm>
+            <a:off x="609600" y="1524000"/>
+            <a:ext cx="3810000" cy="5105400"/>
+          </a:xfrm>
+          <a:prstGeom prst="rect">
+            <a:avLst/>
+          </a:prstGeom>
+        </p:spPr>
+        <p:txBody>
+          <a:bodyPr/>
+          <a:lstStyle/>
+          <a:p>
+            <a:pPr lvl="0"/>
+            <a:r>
+              <a:rPr lang="en-US"/>
+              <a:t>Click to edit Master text styles</a:t>
+            </a:r>
+          </a:p>
+          <a:p>
+            <a:pPr lvl="1"/>
+            <a:r>
+              <a:rPr lang="en-US"/>
+              <a:t>Second level</a:t>
+            </a:r>
+          </a:p>
+          <a:p>
+            <a:pPr lvl="2"/>
+            <a:r>
+              <a:rPr lang="en-US"/>
+              <a:t>Third level</a:t>
+            </a:r>
+          </a:p>
+          <a:p>
+            <a:pPr lvl="3"/>
+            <a:r>
+              <a:rPr lang="en-US"/>
+              <a:t>Fourth level</a:t>
+            </a:r>
+          </a:p>
+          <a:p>
+            <a:pPr lvl="4"/>
+            <a:r>
+              <a:rPr lang="en-US"/>
+              <a:t>Fifth level</a:t>
+            </a:r>
+          </a:p>
+        </p:txBody>
+      </p:sp>
+      <p:sp>
+        <p:nvSpPr>
+          <p:cNvPr id="4" name="Content Placeholder 3"/>
+          <p:cNvSpPr>
+            <a:spLocks noGrp="1"/>
+          </p:cNvSpPr>
+          <p:nvPr>
+            <p:ph sz="half" idx="2"/>
+          </p:nvPr>
+        </p:nvSpPr>
+        <p:spPr>
+          <a:xfrm>
+            <a:off x="4572000" y="1524000"/>
+            <a:ext cx="3810000" cy="5105400"/>
+          </a:xfrm>
+          <a:prstGeom prst="rect">
+            <a:avLst/>
+          </a:prstGeom>
+        </p:spPr>
+        <p:txBody>
+          <a:bodyPr/>
+          <a:lstStyle/>
+          <a:p>
+            <a:pPr lvl="0"/>
+            <a:r>
+              <a:rPr lang="en-US"/>
+              <a:t>Click to edit Master text styles</a:t>
+            </a:r>
+          </a:p>
+          <a:p>
+            <a:pPr lvl="1"/>
+            <a:r>
+              <a:rPr lang="en-US"/>
+              <a:t>Second level</a:t>
+            </a:r>
+          </a:p>
+          <a:p>
+            <a:pPr lvl="2"/>
+            <a:r>
+              <a:rPr lang="en-US"/>
+              <a:t>Third level</a:t>
+            </a:r>
+          </a:p>
+          <a:p>
+            <a:pPr lvl="3"/>
+            <a:r>
+              <a:rPr lang="en-US"/>
+              <a:t>Fourth level</a:t>
+            </a:r>
+          </a:p>
+          <a:p>
+            <a:pPr lvl="4"/>
+            <a:r>
+              <a:rPr lang="en-US"/>
+              <a:t>Fifth level</a:t>
+            </a:r>
+          </a:p>
+        </p:txBody>
+      </p:sp>
+    </p:spTree>
+    <p:extLst>
+      <p:ext uri="{BB962C8B-B14F-4D97-AF65-F5344CB8AC3E}">
+        <p14:creationId xmlns:p14="http://schemas.microsoft.com/office/powerpoint/2010/main" val="1202359640"/>
+      </p:ext>
+    </p:extLst>
+  </p:cSld>
+  <p:clrMapOvr>
+    <a:masterClrMapping/>
+  </p:clrMapOvr>
+  <p:transition/>
 </p:sldLayout>
 </file>
 
@@ -3510,6 +3757,7 @@
     <p:sldLayoutId id="2147483664" r:id="rId10"/>
     <p:sldLayoutId id="2147483665" r:id="rId11"/>
     <p:sldLayoutId id="2147483666" r:id="rId12"/>
+    <p:sldLayoutId id="2147483667" r:id="rId13"/>
   </p:sldLayoutIdLst>
   <p:txStyles>
     <p:titleStyle>
@@ -14137,6 +14385,147 @@
     <a:masterClrMapping/>
   </p:clrMapOvr>
   <p:transition spd="med"/>
+</p:sld>
+</file>
+
+<file path=ppt/slides/slide25.xml><?xml version="1.0" encoding="utf-8"?>
+<p:sld xmlns:a="http://schemas.openxmlformats.org/drawingml/2006/main" xmlns:r="http://schemas.openxmlformats.org/officeDocument/2006/relationships" xmlns:p="http://schemas.openxmlformats.org/presentationml/2006/main">
+  <p:cSld>
+    <p:spTree>
+      <p:nvGrpSpPr>
+        <p:cNvPr id="1" name=""/>
+        <p:cNvGrpSpPr/>
+        <p:nvPr/>
+      </p:nvGrpSpPr>
+      <p:grpSpPr>
+        <a:xfrm>
+          <a:off x="0" y="0"/>
+          <a:ext cx="0" cy="0"/>
+          <a:chOff x="0" y="0"/>
+          <a:chExt cx="0" cy="0"/>
+        </a:xfrm>
+      </p:grpSpPr>
+      <p:sp>
+        <p:nvSpPr>
+          <p:cNvPr id="980994" name="Rectangle 2"/>
+          <p:cNvSpPr>
+            <a:spLocks noGrp="1" noChangeArrowheads="1"/>
+          </p:cNvSpPr>
+          <p:nvPr>
+            <p:ph type="title"/>
+          </p:nvPr>
+        </p:nvSpPr>
+        <p:spPr>
+          <a:xfrm>
+            <a:off x="0" y="152400"/>
+            <a:ext cx="8610600" cy="1143000"/>
+          </a:xfrm>
+        </p:spPr>
+        <p:txBody>
+          <a:bodyPr/>
+          <a:lstStyle/>
+          <a:p>
+            <a:pPr eaLnBrk="1" hangingPunct="1">
+              <a:defRPr/>
+            </a:pPr>
+            <a:r>
+              <a:rPr lang="en-US" sz="2800" b="1" dirty="0">
+                <a:solidFill>
+                  <a:srgbClr val="57068C"/>
+                </a:solidFill>
+              </a:rPr>
+              <a:t>Defining Entity Classes and Primary Keys</a:t>
+            </a:r>
+          </a:p>
+        </p:txBody>
+      </p:sp>
+      <p:sp>
+        <p:nvSpPr>
+          <p:cNvPr id="16387" name="Rectangle 3"/>
+          <p:cNvSpPr>
+            <a:spLocks noGrp="1" noChangeArrowheads="1"/>
+          </p:cNvSpPr>
+          <p:nvPr>
+            <p:ph type="body" sz="half" idx="1"/>
+          </p:nvPr>
+        </p:nvSpPr>
+        <p:spPr>
+          <a:xfrm>
+            <a:off x="228600" y="1524000"/>
+            <a:ext cx="8763000" cy="1524000"/>
+          </a:xfrm>
+        </p:spPr>
+        <p:txBody>
+          <a:bodyPr/>
+          <a:lstStyle/>
+          <a:p>
+            <a:pPr marL="609600" indent="-609600" eaLnBrk="1" hangingPunct="1"/>
+            <a:r>
+              <a:rPr lang="en-US" sz="1800" dirty="0"/>
+              <a:t>What are the entity classes and primary keys for the report below?</a:t>
+            </a:r>
+          </a:p>
+          <a:p>
+            <a:pPr marL="609600" indent="-609600" eaLnBrk="1" hangingPunct="1"/>
+            <a:r>
+              <a:rPr lang="en-US" sz="1800" dirty="0"/>
+              <a:t>What entities/tables should we create?</a:t>
+            </a:r>
+          </a:p>
+          <a:p>
+            <a:pPr marL="609600" indent="-609600" eaLnBrk="1" hangingPunct="1"/>
+            <a:r>
+              <a:rPr lang="en-US" sz="1800" dirty="0"/>
+              <a:t>Are there fields that are redundant once you create the tables?</a:t>
+            </a:r>
+          </a:p>
+          <a:p>
+            <a:pPr marL="609600" indent="-609600" eaLnBrk="1" hangingPunct="1"/>
+            <a:endParaRPr lang="en-US" sz="1800" dirty="0"/>
+          </a:p>
+          <a:p>
+            <a:pPr marL="609600" indent="-609600" eaLnBrk="1" hangingPunct="1">
+              <a:buFontTx/>
+              <a:buNone/>
+            </a:pPr>
+            <a:endParaRPr lang="en-US" sz="1800" dirty="0"/>
+          </a:p>
+        </p:txBody>
+      </p:sp>
+      <p:pic>
+        <p:nvPicPr>
+          <p:cNvPr id="16388" name="Picture 4" descr="haa19472_c01"/>
+          <p:cNvPicPr>
+            <a:picLocks noGrp="1" noChangeAspect="1" noChangeArrowheads="1"/>
+          </p:cNvPicPr>
+          <p:nvPr>
+            <p:ph sz="half" idx="2"/>
+          </p:nvPr>
+        </p:nvPicPr>
+        <p:blipFill>
+          <a:blip r:embed="rId3" cstate="print"/>
+          <a:srcRect/>
+          <a:stretch>
+            <a:fillRect/>
+          </a:stretch>
+        </p:blipFill>
+        <p:spPr>
+          <a:xfrm>
+            <a:off x="304800" y="3276600"/>
+            <a:ext cx="8610600" cy="2278063"/>
+          </a:xfrm>
+        </p:spPr>
+      </p:pic>
+    </p:spTree>
+    <p:extLst>
+      <p:ext uri="{BB962C8B-B14F-4D97-AF65-F5344CB8AC3E}">
+        <p14:creationId xmlns:p14="http://schemas.microsoft.com/office/powerpoint/2010/main" val="671408367"/>
+      </p:ext>
+    </p:extLst>
+  </p:cSld>
+  <p:clrMapOvr>
+    <a:masterClrMapping/>
+  </p:clrMapOvr>
 </p:sld>
 </file>
 

--- a/session1/A2-ER_modeling-GalleryPainter.pptx
+++ b/session1/A2-ER_modeling-GalleryPainter.pptx
@@ -265,7 +265,7 @@
                 <a:ea typeface="Arial Unicode MS" panose="020B0604020202020204" pitchFamily="34" charset="-128"/>
                 <a:cs typeface="Arial Unicode MS" panose="020B0604020202020204" pitchFamily="34" charset="-128"/>
               </a:rPr>
-              <a:t>1/18/2023</a:t>
+              <a:t>5/2/2024</a:t>
             </a:fld>
             <a:endParaRPr lang="en-US" dirty="0">
               <a:latin typeface="Arial Unicode MS" panose="020B0604020202020204" pitchFamily="34" charset="-128"/>
@@ -1120,7 +1120,7 @@
           <a:p>
             <a:fld id="{E9385586-C094-4874-A3EB-1898CF456001}" type="datetimeFigureOut">
               <a:rPr lang="en-US" smtClean="0"/>
-              <a:t>1/18/2023</a:t>
+              <a:t>5/2/2024</a:t>
             </a:fld>
             <a:endParaRPr lang="en-US"/>
           </a:p>
@@ -1289,7 +1289,7 @@
           <a:p>
             <a:fld id="{E9385586-C094-4874-A3EB-1898CF456001}" type="datetimeFigureOut">
               <a:rPr lang="en-US" smtClean="0"/>
-              <a:t>1/18/2023</a:t>
+              <a:t>5/2/2024</a:t>
             </a:fld>
             <a:endParaRPr lang="en-US"/>
           </a:p>
@@ -1468,7 +1468,7 @@
           <a:p>
             <a:fld id="{E9385586-C094-4874-A3EB-1898CF456001}" type="datetimeFigureOut">
               <a:rPr lang="en-US" smtClean="0"/>
-              <a:t>1/18/2023</a:t>
+              <a:t>5/2/2024</a:t>
             </a:fld>
             <a:endParaRPr lang="en-US"/>
           </a:p>
@@ -1847,7 +1847,7 @@
           <a:p>
             <a:fld id="{E9385586-C094-4874-A3EB-1898CF456001}" type="datetimeFigureOut">
               <a:rPr lang="en-US" smtClean="0"/>
-              <a:t>1/18/2023</a:t>
+              <a:t>5/2/2024</a:t>
             </a:fld>
             <a:endParaRPr lang="en-US"/>
           </a:p>
@@ -2092,7 +2092,7 @@
           <a:p>
             <a:fld id="{E9385586-C094-4874-A3EB-1898CF456001}" type="datetimeFigureOut">
               <a:rPr lang="en-US" smtClean="0"/>
-              <a:t>1/18/2023</a:t>
+              <a:t>5/2/2024</a:t>
             </a:fld>
             <a:endParaRPr lang="en-US"/>
           </a:p>
@@ -2322,7 +2322,7 @@
           <a:p>
             <a:fld id="{E9385586-C094-4874-A3EB-1898CF456001}" type="datetimeFigureOut">
               <a:rPr lang="en-US" smtClean="0"/>
-              <a:t>1/18/2023</a:t>
+              <a:t>5/2/2024</a:t>
             </a:fld>
             <a:endParaRPr lang="en-US"/>
           </a:p>
@@ -2687,7 +2687,7 @@
           <a:p>
             <a:fld id="{E9385586-C094-4874-A3EB-1898CF456001}" type="datetimeFigureOut">
               <a:rPr lang="en-US" smtClean="0"/>
-              <a:t>1/18/2023</a:t>
+              <a:t>5/2/2024</a:t>
             </a:fld>
             <a:endParaRPr lang="en-US"/>
           </a:p>
@@ -2805,7 +2805,7 @@
           <a:p>
             <a:fld id="{E9385586-C094-4874-A3EB-1898CF456001}" type="datetimeFigureOut">
               <a:rPr lang="en-US" smtClean="0"/>
-              <a:t>1/18/2023</a:t>
+              <a:t>5/2/2024</a:t>
             </a:fld>
             <a:endParaRPr lang="en-US"/>
           </a:p>
@@ -2900,7 +2900,7 @@
           <a:p>
             <a:fld id="{E9385586-C094-4874-A3EB-1898CF456001}" type="datetimeFigureOut">
               <a:rPr lang="en-US" smtClean="0"/>
-              <a:t>1/18/2023</a:t>
+              <a:t>5/2/2024</a:t>
             </a:fld>
             <a:endParaRPr lang="en-US"/>
           </a:p>
@@ -3176,7 +3176,7 @@
           <a:p>
             <a:fld id="{E9385586-C094-4874-A3EB-1898CF456001}" type="datetimeFigureOut">
               <a:rPr lang="en-US" smtClean="0"/>
-              <a:t>1/18/2023</a:t>
+              <a:t>5/2/2024</a:t>
             </a:fld>
             <a:endParaRPr lang="en-US"/>
           </a:p>
@@ -3429,7 +3429,7 @@
           <a:p>
             <a:fld id="{E9385586-C094-4874-A3EB-1898CF456001}" type="datetimeFigureOut">
               <a:rPr lang="en-US" smtClean="0"/>
-              <a:t>1/18/2023</a:t>
+              <a:t>5/2/2024</a:t>
             </a:fld>
             <a:endParaRPr lang="en-US"/>
           </a:p>
@@ -3645,7 +3645,7 @@
             <a:fld id="{E9385586-C094-4874-A3EB-1898CF456001}" type="datetimeFigureOut">
               <a:rPr lang="en-US" smtClean="0"/>
               <a:pPr/>
-              <a:t>1/18/2023</a:t>
+              <a:t>5/2/2024</a:t>
             </a:fld>
             <a:endParaRPr lang="en-US" dirty="0"/>
           </a:p>
@@ -4078,7 +4078,7 @@
           </a:ln>
           <a:extLst>
             <a:ext uri="{C572A759-6A51-4108-AA02-DFA0A04FC94B}">
-              <ma14:wrappingTextBoxFlag xmlns:ma14="http://schemas.microsoft.com/office/mac/drawingml/2011/main" xmlns="" val="1"/>
+              <ma14:wrappingTextBoxFlag xmlns="" xmlns:ma14="http://schemas.microsoft.com/office/mac/drawingml/2011/main" val="1"/>
             </a:ext>
           </a:extLst>
         </p:spPr>
@@ -4287,7 +4287,7 @@
           </a:ln>
           <a:extLst>
             <a:ext uri="{C572A759-6A51-4108-AA02-DFA0A04FC94B}">
-              <ma14:wrappingTextBoxFlag xmlns="" xmlns:ma14="http://schemas.microsoft.com/office/mac/drawingml/2011/main" val="1"/>
+              <ma14:wrappingTextBoxFlag xmlns:ma14="http://schemas.microsoft.com/office/mac/drawingml/2011/main" xmlns="" val="1"/>
             </a:ext>
           </a:extLst>
         </p:spPr>
@@ -4353,7 +4353,7 @@
           </a:ln>
           <a:extLst>
             <a:ext uri="{C572A759-6A51-4108-AA02-DFA0A04FC94B}">
-              <ma14:wrappingTextBoxFlag xmlns="" xmlns:ma14="http://schemas.microsoft.com/office/mac/drawingml/2011/main" val="1"/>
+              <ma14:wrappingTextBoxFlag xmlns:ma14="http://schemas.microsoft.com/office/mac/drawingml/2011/main" xmlns="" val="1"/>
             </a:ext>
           </a:extLst>
         </p:spPr>
@@ -4670,7 +4670,7 @@
           </a:ln>
           <a:extLst>
             <a:ext uri="{C572A759-6A51-4108-AA02-DFA0A04FC94B}">
-              <ma14:wrappingTextBoxFlag xmlns="" xmlns:ma14="http://schemas.microsoft.com/office/mac/drawingml/2011/main" val="1"/>
+              <ma14:wrappingTextBoxFlag xmlns:ma14="http://schemas.microsoft.com/office/mac/drawingml/2011/main" xmlns="" val="1"/>
             </a:ext>
           </a:extLst>
         </p:spPr>
@@ -4749,7 +4749,7 @@
           </a:ln>
           <a:extLst>
             <a:ext uri="{C572A759-6A51-4108-AA02-DFA0A04FC94B}">
-              <ma14:wrappingTextBoxFlag xmlns="" xmlns:ma14="http://schemas.microsoft.com/office/mac/drawingml/2011/main" val="1"/>
+              <ma14:wrappingTextBoxFlag xmlns:ma14="http://schemas.microsoft.com/office/mac/drawingml/2011/main" xmlns="" val="1"/>
             </a:ext>
           </a:extLst>
         </p:spPr>
@@ -4984,7 +4984,7 @@
           </a:ln>
           <a:extLst>
             <a:ext uri="{C572A759-6A51-4108-AA02-DFA0A04FC94B}">
-              <ma14:wrappingTextBoxFlag xmlns:ma14="http://schemas.microsoft.com/office/mac/drawingml/2011/main" xmlns="" val="1"/>
+              <ma14:wrappingTextBoxFlag xmlns="" xmlns:ma14="http://schemas.microsoft.com/office/mac/drawingml/2011/main" val="1"/>
             </a:ext>
           </a:extLst>
         </p:spPr>
@@ -5083,7 +5083,7 @@
           </a:ln>
           <a:extLst>
             <a:ext uri="{C572A759-6A51-4108-AA02-DFA0A04FC94B}">
-              <ma14:wrappingTextBoxFlag xmlns:ma14="http://schemas.microsoft.com/office/mac/drawingml/2011/main" xmlns="" val="1"/>
+              <ma14:wrappingTextBoxFlag xmlns="" xmlns:ma14="http://schemas.microsoft.com/office/mac/drawingml/2011/main" val="1"/>
             </a:ext>
           </a:extLst>
         </p:spPr>
@@ -5485,7 +5485,7 @@
           </a:ln>
           <a:extLst>
             <a:ext uri="{C572A759-6A51-4108-AA02-DFA0A04FC94B}">
-              <ma14:wrappingTextBoxFlag xmlns:ma14="http://schemas.microsoft.com/office/mac/drawingml/2011/main" xmlns="" val="1"/>
+              <ma14:wrappingTextBoxFlag xmlns="" xmlns:ma14="http://schemas.microsoft.com/office/mac/drawingml/2011/main" val="1"/>
             </a:ext>
           </a:extLst>
         </p:spPr>
@@ -5551,7 +5551,7 @@
           </a:ln>
           <a:extLst>
             <a:ext uri="{C572A759-6A51-4108-AA02-DFA0A04FC94B}">
-              <ma14:wrappingTextBoxFlag xmlns:ma14="http://schemas.microsoft.com/office/mac/drawingml/2011/main" xmlns="" val="1"/>
+              <ma14:wrappingTextBoxFlag xmlns="" xmlns:ma14="http://schemas.microsoft.com/office/mac/drawingml/2011/main" val="1"/>
             </a:ext>
           </a:extLst>
         </p:spPr>
@@ -6449,7 +6449,7 @@
           </a:ln>
           <a:extLst>
             <a:ext uri="{C572A759-6A51-4108-AA02-DFA0A04FC94B}">
-              <ma14:wrappingTextBoxFlag xmlns:ma14="http://schemas.microsoft.com/office/mac/drawingml/2011/main" xmlns="" val="1"/>
+              <ma14:wrappingTextBoxFlag xmlns="" xmlns:ma14="http://schemas.microsoft.com/office/mac/drawingml/2011/main" val="1"/>
             </a:ext>
           </a:extLst>
         </p:spPr>
@@ -6646,7 +6646,7 @@
           </a:ln>
           <a:extLst>
             <a:ext uri="{C572A759-6A51-4108-AA02-DFA0A04FC94B}">
-              <ma14:wrappingTextBoxFlag xmlns:ma14="http://schemas.microsoft.com/office/mac/drawingml/2011/main" xmlns="" val="1"/>
+              <ma14:wrappingTextBoxFlag xmlns="" xmlns:ma14="http://schemas.microsoft.com/office/mac/drawingml/2011/main" val="1"/>
             </a:ext>
           </a:extLst>
         </p:spPr>
@@ -6769,7 +6769,7 @@
           </a:ln>
           <a:extLst>
             <a:ext uri="{C572A759-6A51-4108-AA02-DFA0A04FC94B}">
-              <ma14:wrappingTextBoxFlag xmlns:ma14="http://schemas.microsoft.com/office/mac/drawingml/2011/main" xmlns="" val="1"/>
+              <ma14:wrappingTextBoxFlag xmlns="" xmlns:ma14="http://schemas.microsoft.com/office/mac/drawingml/2011/main" val="1"/>
             </a:ext>
           </a:extLst>
         </p:spPr>
@@ -6892,7 +6892,7 @@
           </a:ln>
           <a:extLst>
             <a:ext uri="{C572A759-6A51-4108-AA02-DFA0A04FC94B}">
-              <ma14:wrappingTextBoxFlag xmlns:ma14="http://schemas.microsoft.com/office/mac/drawingml/2011/main" xmlns="" val="1"/>
+              <ma14:wrappingTextBoxFlag xmlns="" xmlns:ma14="http://schemas.microsoft.com/office/mac/drawingml/2011/main" val="1"/>
             </a:ext>
           </a:extLst>
         </p:spPr>
@@ -7110,7 +7110,7 @@
           </a:ln>
           <a:extLst>
             <a:ext uri="{C572A759-6A51-4108-AA02-DFA0A04FC94B}">
-              <ma14:wrappingTextBoxFlag xmlns:ma14="http://schemas.microsoft.com/office/mac/drawingml/2011/main" xmlns="" val="1"/>
+              <ma14:wrappingTextBoxFlag xmlns="" xmlns:ma14="http://schemas.microsoft.com/office/mac/drawingml/2011/main" val="1"/>
             </a:ext>
           </a:extLst>
         </p:spPr>
@@ -7240,7 +7240,7 @@
           </a:ln>
           <a:extLst>
             <a:ext uri="{C572A759-6A51-4108-AA02-DFA0A04FC94B}">
-              <ma14:wrappingTextBoxFlag xmlns:ma14="http://schemas.microsoft.com/office/mac/drawingml/2011/main" xmlns="" val="1"/>
+              <ma14:wrappingTextBoxFlag xmlns="" xmlns:ma14="http://schemas.microsoft.com/office/mac/drawingml/2011/main" val="1"/>
             </a:ext>
           </a:extLst>
         </p:spPr>
@@ -7573,7 +7573,7 @@
           </a:ln>
           <a:extLst>
             <a:ext uri="{C572A759-6A51-4108-AA02-DFA0A04FC94B}">
-              <ma14:wrappingTextBoxFlag xmlns:ma14="http://schemas.microsoft.com/office/mac/drawingml/2011/main" xmlns="" val="1"/>
+              <ma14:wrappingTextBoxFlag xmlns="" xmlns:ma14="http://schemas.microsoft.com/office/mac/drawingml/2011/main" val="1"/>
             </a:ext>
           </a:extLst>
         </p:spPr>
@@ -7724,7 +7724,7 @@
           </a:ln>
           <a:extLst>
             <a:ext uri="{C572A759-6A51-4108-AA02-DFA0A04FC94B}">
-              <ma14:wrappingTextBoxFlag xmlns:ma14="http://schemas.microsoft.com/office/mac/drawingml/2011/main" xmlns="" val="1"/>
+              <ma14:wrappingTextBoxFlag xmlns="" xmlns:ma14="http://schemas.microsoft.com/office/mac/drawingml/2011/main" val="1"/>
             </a:ext>
           </a:extLst>
         </p:spPr>
@@ -7848,7 +7848,7 @@
           </a:ln>
           <a:extLst>
             <a:ext uri="{C572A759-6A51-4108-AA02-DFA0A04FC94B}">
-              <ma14:wrappingTextBoxFlag xmlns:ma14="http://schemas.microsoft.com/office/mac/drawingml/2011/main" xmlns="" val="1"/>
+              <ma14:wrappingTextBoxFlag xmlns="" xmlns:ma14="http://schemas.microsoft.com/office/mac/drawingml/2011/main" val="1"/>
             </a:ext>
           </a:extLst>
         </p:spPr>
@@ -8034,7 +8034,7 @@
           </a:ln>
           <a:extLst>
             <a:ext uri="{C572A759-6A51-4108-AA02-DFA0A04FC94B}">
-              <ma14:wrappingTextBoxFlag xmlns:ma14="http://schemas.microsoft.com/office/mac/drawingml/2011/main" xmlns="" val="1"/>
+              <ma14:wrappingTextBoxFlag xmlns="" xmlns:ma14="http://schemas.microsoft.com/office/mac/drawingml/2011/main" val="1"/>
             </a:ext>
           </a:extLst>
         </p:spPr>
@@ -8223,7 +8223,7 @@
           </a:ln>
           <a:extLst>
             <a:ext uri="{C572A759-6A51-4108-AA02-DFA0A04FC94B}">
-              <ma14:wrappingTextBoxFlag xmlns:ma14="http://schemas.microsoft.com/office/mac/drawingml/2011/main" xmlns="" val="1"/>
+              <ma14:wrappingTextBoxFlag xmlns="" xmlns:ma14="http://schemas.microsoft.com/office/mac/drawingml/2011/main" val="1"/>
             </a:ext>
           </a:extLst>
         </p:spPr>
@@ -8321,7 +8321,7 @@
           </a:ln>
           <a:extLst>
             <a:ext uri="{C572A759-6A51-4108-AA02-DFA0A04FC94B}">
-              <ma14:wrappingTextBoxFlag xmlns:ma14="http://schemas.microsoft.com/office/mac/drawingml/2011/main" xmlns="" val="1"/>
+              <ma14:wrappingTextBoxFlag xmlns="" xmlns:ma14="http://schemas.microsoft.com/office/mac/drawingml/2011/main" val="1"/>
             </a:ext>
           </a:extLst>
         </p:spPr>
@@ -8547,7 +8547,7 @@
           </a:ln>
           <a:extLst>
             <a:ext uri="{C572A759-6A51-4108-AA02-DFA0A04FC94B}">
-              <ma14:wrappingTextBoxFlag xmlns:ma14="http://schemas.microsoft.com/office/mac/drawingml/2011/main" xmlns="" val="1"/>
+              <ma14:wrappingTextBoxFlag xmlns="" xmlns:ma14="http://schemas.microsoft.com/office/mac/drawingml/2011/main" val="1"/>
             </a:ext>
           </a:extLst>
         </p:spPr>
@@ -8645,7 +8645,7 @@
           </a:ln>
           <a:extLst>
             <a:ext uri="{C572A759-6A51-4108-AA02-DFA0A04FC94B}">
-              <ma14:wrappingTextBoxFlag xmlns:ma14="http://schemas.microsoft.com/office/mac/drawingml/2011/main" xmlns="" val="1"/>
+              <ma14:wrappingTextBoxFlag xmlns="" xmlns:ma14="http://schemas.microsoft.com/office/mac/drawingml/2011/main" val="1"/>
             </a:ext>
           </a:extLst>
         </p:spPr>
@@ -9075,7 +9075,7 @@
           </a:ln>
           <a:extLst>
             <a:ext uri="{C572A759-6A51-4108-AA02-DFA0A04FC94B}">
-              <ma14:wrappingTextBoxFlag xmlns:ma14="http://schemas.microsoft.com/office/mac/drawingml/2011/main" xmlns="" val="1"/>
+              <ma14:wrappingTextBoxFlag xmlns="" xmlns:ma14="http://schemas.microsoft.com/office/mac/drawingml/2011/main" val="1"/>
             </a:ext>
           </a:extLst>
         </p:spPr>
@@ -9454,7 +9454,7 @@
           </a:ln>
           <a:extLst>
             <a:ext uri="{C572A759-6A51-4108-AA02-DFA0A04FC94B}">
-              <ma14:wrappingTextBoxFlag xmlns="" xmlns:ma14="http://schemas.microsoft.com/office/mac/drawingml/2011/main" val="1"/>
+              <ma14:wrappingTextBoxFlag xmlns:ma14="http://schemas.microsoft.com/office/mac/drawingml/2011/main" xmlns="" val="1"/>
             </a:ext>
           </a:extLst>
         </p:spPr>
@@ -9549,7 +9549,7 @@
           </a:ln>
           <a:extLst>
             <a:ext uri="{C572A759-6A51-4108-AA02-DFA0A04FC94B}">
-              <ma14:wrappingTextBoxFlag xmlns="" xmlns:ma14="http://schemas.microsoft.com/office/mac/drawingml/2011/main" val="1"/>
+              <ma14:wrappingTextBoxFlag xmlns:ma14="http://schemas.microsoft.com/office/mac/drawingml/2011/main" xmlns="" val="1"/>
             </a:ext>
           </a:extLst>
         </p:spPr>
@@ -9723,7 +9723,7 @@
           </a:ln>
           <a:extLst>
             <a:ext uri="{C572A759-6A51-4108-AA02-DFA0A04FC94B}">
-              <ma14:wrappingTextBoxFlag xmlns:ma14="http://schemas.microsoft.com/office/mac/drawingml/2011/main" xmlns="" val="1"/>
+              <ma14:wrappingTextBoxFlag xmlns="" xmlns:ma14="http://schemas.microsoft.com/office/mac/drawingml/2011/main" val="1"/>
             </a:ext>
           </a:extLst>
         </p:spPr>
@@ -11688,7 +11688,7 @@
           </a:ln>
           <a:extLst>
             <a:ext uri="{C572A759-6A51-4108-AA02-DFA0A04FC94B}">
-              <ma14:wrappingTextBoxFlag xmlns:ma14="http://schemas.microsoft.com/office/mac/drawingml/2011/main" xmlns="" val="1"/>
+              <ma14:wrappingTextBoxFlag xmlns="" xmlns:ma14="http://schemas.microsoft.com/office/mac/drawingml/2011/main" val="1"/>
             </a:ext>
           </a:extLst>
         </p:spPr>
@@ -12571,7 +12571,7 @@
           </a:ln>
           <a:extLst>
             <a:ext uri="{C572A759-6A51-4108-AA02-DFA0A04FC94B}">
-              <ma14:wrappingTextBoxFlag xmlns:ma14="http://schemas.microsoft.com/office/mac/drawingml/2011/main" xmlns="" val="1"/>
+              <ma14:wrappingTextBoxFlag xmlns="" xmlns:ma14="http://schemas.microsoft.com/office/mac/drawingml/2011/main" val="1"/>
             </a:ext>
           </a:extLst>
         </p:spPr>
@@ -12733,7 +12733,7 @@
           </a:ln>
           <a:extLst>
             <a:ext uri="{C572A759-6A51-4108-AA02-DFA0A04FC94B}">
-              <ma14:wrappingTextBoxFlag xmlns:ma14="http://schemas.microsoft.com/office/mac/drawingml/2011/main" xmlns="" val="1"/>
+              <ma14:wrappingTextBoxFlag xmlns="" xmlns:ma14="http://schemas.microsoft.com/office/mac/drawingml/2011/main" val="1"/>
             </a:ext>
           </a:extLst>
         </p:spPr>
@@ -12799,7 +12799,7 @@
           </a:ln>
           <a:extLst>
             <a:ext uri="{C572A759-6A51-4108-AA02-DFA0A04FC94B}">
-              <ma14:wrappingTextBoxFlag xmlns:ma14="http://schemas.microsoft.com/office/mac/drawingml/2011/main" xmlns="" val="1"/>
+              <ma14:wrappingTextBoxFlag xmlns="" xmlns:ma14="http://schemas.microsoft.com/office/mac/drawingml/2011/main" val="1"/>
             </a:ext>
           </a:extLst>
         </p:spPr>
@@ -13615,7 +13615,7 @@
           </a:ln>
           <a:extLst>
             <a:ext uri="{C572A759-6A51-4108-AA02-DFA0A04FC94B}">
-              <ma14:wrappingTextBoxFlag xmlns:ma14="http://schemas.microsoft.com/office/mac/drawingml/2011/main" xmlns="" val="1"/>
+              <ma14:wrappingTextBoxFlag xmlns="" xmlns:ma14="http://schemas.microsoft.com/office/mac/drawingml/2011/main" val="1"/>
             </a:ext>
           </a:extLst>
         </p:spPr>
@@ -13726,7 +13726,7 @@
           </a:ln>
           <a:extLst>
             <a:ext uri="{C572A759-6A51-4108-AA02-DFA0A04FC94B}">
-              <ma14:wrappingTextBoxFlag xmlns:ma14="http://schemas.microsoft.com/office/mac/drawingml/2011/main" xmlns="" val="1"/>
+              <ma14:wrappingTextBoxFlag xmlns="" xmlns:ma14="http://schemas.microsoft.com/office/mac/drawingml/2011/main" val="1"/>
             </a:ext>
           </a:extLst>
         </p:spPr>
@@ -14049,7 +14049,7 @@
           </a:ln>
           <a:extLst>
             <a:ext uri="{C572A759-6A51-4108-AA02-DFA0A04FC94B}">
-              <ma14:wrappingTextBoxFlag xmlns:ma14="http://schemas.microsoft.com/office/mac/drawingml/2011/main" xmlns="" val="1"/>
+              <ma14:wrappingTextBoxFlag xmlns="" xmlns:ma14="http://schemas.microsoft.com/office/mac/drawingml/2011/main" val="1"/>
             </a:ext>
           </a:extLst>
         </p:spPr>
@@ -14115,7 +14115,7 @@
           </a:ln>
           <a:extLst>
             <a:ext uri="{C572A759-6A51-4108-AA02-DFA0A04FC94B}">
-              <ma14:wrappingTextBoxFlag xmlns:ma14="http://schemas.microsoft.com/office/mac/drawingml/2011/main" xmlns="" val="1"/>
+              <ma14:wrappingTextBoxFlag xmlns="" xmlns:ma14="http://schemas.microsoft.com/office/mac/drawingml/2011/main" val="1"/>
             </a:ext>
           </a:extLst>
         </p:spPr>
@@ -14565,7 +14565,7 @@
           </a:ln>
           <a:extLst>
             <a:ext uri="{C572A759-6A51-4108-AA02-DFA0A04FC94B}">
-              <ma14:wrappingTextBoxFlag xmlns="" xmlns:ma14="http://schemas.microsoft.com/office/mac/drawingml/2011/main" val="1"/>
+              <ma14:wrappingTextBoxFlag xmlns:ma14="http://schemas.microsoft.com/office/mac/drawingml/2011/main" xmlns="" val="1"/>
             </a:ext>
           </a:extLst>
         </p:spPr>
@@ -14711,7 +14711,7 @@
           </a:ln>
           <a:extLst>
             <a:ext uri="{C572A759-6A51-4108-AA02-DFA0A04FC94B}">
-              <ma14:wrappingTextBoxFlag xmlns="" xmlns:ma14="http://schemas.microsoft.com/office/mac/drawingml/2011/main" val="1"/>
+              <ma14:wrappingTextBoxFlag xmlns:ma14="http://schemas.microsoft.com/office/mac/drawingml/2011/main" xmlns="" val="1"/>
             </a:ext>
           </a:extLst>
         </p:spPr>
@@ -14793,7 +14793,7 @@
           </a:ln>
           <a:extLst>
             <a:ext uri="{C572A759-6A51-4108-AA02-DFA0A04FC94B}">
-              <ma14:wrappingTextBoxFlag xmlns="" xmlns:ma14="http://schemas.microsoft.com/office/mac/drawingml/2011/main" val="1"/>
+              <ma14:wrappingTextBoxFlag xmlns:ma14="http://schemas.microsoft.com/office/mac/drawingml/2011/main" xmlns="" val="1"/>
             </a:ext>
           </a:extLst>
         </p:spPr>
@@ -15034,7 +15034,7 @@
           </a:ln>
           <a:extLst>
             <a:ext uri="{C572A759-6A51-4108-AA02-DFA0A04FC94B}">
-              <ma14:wrappingTextBoxFlag xmlns="" xmlns:ma14="http://schemas.microsoft.com/office/mac/drawingml/2011/main" val="1"/>
+              <ma14:wrappingTextBoxFlag xmlns:ma14="http://schemas.microsoft.com/office/mac/drawingml/2011/main" xmlns="" val="1"/>
             </a:ext>
           </a:extLst>
         </p:spPr>
@@ -15145,7 +15145,7 @@
           </a:ln>
           <a:extLst>
             <a:ext uri="{C572A759-6A51-4108-AA02-DFA0A04FC94B}">
-              <ma14:wrappingTextBoxFlag xmlns="" xmlns:ma14="http://schemas.microsoft.com/office/mac/drawingml/2011/main" val="1"/>
+              <ma14:wrappingTextBoxFlag xmlns:ma14="http://schemas.microsoft.com/office/mac/drawingml/2011/main" xmlns="" val="1"/>
             </a:ext>
           </a:extLst>
         </p:spPr>
@@ -15430,7 +15430,7 @@
           </a:ln>
           <a:extLst>
             <a:ext uri="{C572A759-6A51-4108-AA02-DFA0A04FC94B}">
-              <ma14:wrappingTextBoxFlag xmlns="" xmlns:ma14="http://schemas.microsoft.com/office/mac/drawingml/2011/main" val="1"/>
+              <ma14:wrappingTextBoxFlag xmlns:ma14="http://schemas.microsoft.com/office/mac/drawingml/2011/main" xmlns="" val="1"/>
             </a:ext>
           </a:extLst>
         </p:spPr>
@@ -15496,7 +15496,7 @@
           </a:ln>
           <a:extLst>
             <a:ext uri="{C572A759-6A51-4108-AA02-DFA0A04FC94B}">
-              <ma14:wrappingTextBoxFlag xmlns="" xmlns:ma14="http://schemas.microsoft.com/office/mac/drawingml/2011/main" val="1"/>
+              <ma14:wrappingTextBoxFlag xmlns:ma14="http://schemas.microsoft.com/office/mac/drawingml/2011/main" xmlns="" val="1"/>
             </a:ext>
           </a:extLst>
         </p:spPr>
@@ -15742,7 +15742,7 @@
           </a:ln>
           <a:extLst>
             <a:ext uri="{C572A759-6A51-4108-AA02-DFA0A04FC94B}">
-              <ma14:wrappingTextBoxFlag xmlns="" xmlns:ma14="http://schemas.microsoft.com/office/mac/drawingml/2011/main" val="1"/>
+              <ma14:wrappingTextBoxFlag xmlns:ma14="http://schemas.microsoft.com/office/mac/drawingml/2011/main" xmlns="" val="1"/>
             </a:ext>
           </a:extLst>
         </p:spPr>
@@ -15808,7 +15808,7 @@
           </a:ln>
           <a:extLst>
             <a:ext uri="{C572A759-6A51-4108-AA02-DFA0A04FC94B}">
-              <ma14:wrappingTextBoxFlag xmlns="" xmlns:ma14="http://schemas.microsoft.com/office/mac/drawingml/2011/main" val="1"/>
+              <ma14:wrappingTextBoxFlag xmlns:ma14="http://schemas.microsoft.com/office/mac/drawingml/2011/main" xmlns="" val="1"/>
             </a:ext>
           </a:extLst>
         </p:spPr>
@@ -16256,7 +16256,7 @@
           </a:ln>
           <a:extLst>
             <a:ext uri="{C572A759-6A51-4108-AA02-DFA0A04FC94B}">
-              <ma14:wrappingTextBoxFlag xmlns="" xmlns:ma14="http://schemas.microsoft.com/office/mac/drawingml/2011/main" val="1"/>
+              <ma14:wrappingTextBoxFlag xmlns:ma14="http://schemas.microsoft.com/office/mac/drawingml/2011/main" xmlns="" val="1"/>
             </a:ext>
           </a:extLst>
         </p:spPr>
@@ -16351,7 +16351,7 @@
           </a:ln>
           <a:extLst>
             <a:ext uri="{C572A759-6A51-4108-AA02-DFA0A04FC94B}">
-              <ma14:wrappingTextBoxFlag xmlns="" xmlns:ma14="http://schemas.microsoft.com/office/mac/drawingml/2011/main" val="1"/>
+              <ma14:wrappingTextBoxFlag xmlns:ma14="http://schemas.microsoft.com/office/mac/drawingml/2011/main" xmlns="" val="1"/>
             </a:ext>
           </a:extLst>
         </p:spPr>
